--- a/Textbooks/Sylvester James Gate.pptx
+++ b/Textbooks/Sylvester James Gate.pptx
@@ -505,7 +505,6 @@
               <a:t>#Name</a:t>
             </a:r>
             <a:br/>
-            <a:br/>
             <a:r>
               <a:t>Sylvester James Gate</a:t>
             </a:r>
@@ -515,21 +514,22 @@
               <a:t>#Textbook</a:t>
             </a:r>
             <a:br/>
+            <a:r>
+              <a:t>Knight, College Physics: A Strategic Approach, 2nd Edition, chapter 27, section 8 </a:t>
+            </a:r>
             <a:br/>
             <a:r>
-              <a:t>Knight, 2nd edition, chapter 27, section 8</a:t>
+              <a:t>Knight, Physics for Scientists and Engineers: A Strategic Approach with Modern Physics, 3rd Edition, Chapter 39</a:t>
+            </a:r>
+            <a:br/>
+            <a:r>
+              <a:t>#Contributors</a:t>
             </a:r>
             <a:br/>
             <a:br/>
             <a:r>
-              <a:t>#Contributors</a:t>
-            </a:r>
-            <a:br/>
-            <a:br/>
-            <a:r>
               <a:t>#Description</a:t>
             </a:r>
-            <a:br/>
             <a:br/>
             <a:r>
               <a:t>Sylvester Gates is an American theoretical physicists for the Ford Foundation</a:t>
